--- a/Трофимов Горностаев Аксёнов Онтологии.pptx
+++ b/Трофимов Горностаев Аксёнов Онтологии.pptx
@@ -11,6 +11,8 @@
     <p:sldId id="260" r:id="rId5"/>
     <p:sldId id="259" r:id="rId6"/>
     <p:sldId id="258" r:id="rId7"/>
+    <p:sldId id="262" r:id="rId8"/>
+    <p:sldId id="263" r:id="rId9"/>
   </p:sldIdLst>
   <p:sldSz cx="12192000" cy="6858000"/>
   <p:notesSz cx="6858000" cy="9144000"/>
@@ -109,6 +111,11 @@
       </a:defRPr>
     </a:lvl9pPr>
   </p:defaultTextStyle>
+  <p:extLst>
+    <p:ext uri="{EFAFB233-063F-42B5-8137-9DF3F51BA10A}">
+      <p15:sldGuideLst xmlns:p15="http://schemas.microsoft.com/office/powerpoint/2012/main"/>
+    </p:ext>
+  </p:extLst>
 </p:presentation>
 </file>
 
@@ -3456,41 +3463,730 @@
           <a:p>
             <a:r>
               <a:rPr lang="ru-RU" dirty="0"/>
-              <a:t>Исследуемые </a:t>
-            </a:r>
-            <a:r>
-              <a:rPr lang="ru-RU" dirty="0" err="1"/>
-              <a:t>характеристи</a:t>
-            </a:r>
-            <a:endParaRPr lang="ru-RU" dirty="0"/>
-          </a:p>
-        </p:txBody>
-      </p:sp>
-      <p:sp>
-        <p:nvSpPr>
-          <p:cNvPr id="3" name="Объект 2">
-            <a:extLst>
-              <a:ext uri="{FF2B5EF4-FFF2-40B4-BE49-F238E27FC236}">
-                <a16:creationId xmlns:a16="http://schemas.microsoft.com/office/drawing/2014/main" id="{84340D9F-3AFB-4A20-9C25-F688EAFB4418}"/>
-              </a:ext>
-            </a:extLst>
-          </p:cNvPr>
-          <p:cNvSpPr>
-            <a:spLocks noGrp="1"/>
-          </p:cNvSpPr>
-          <p:nvPr>
-            <p:ph idx="1"/>
-          </p:nvPr>
-        </p:nvSpPr>
-        <p:spPr/>
-        <p:txBody>
-          <a:bodyPr/>
-          <a:lstStyle/>
-          <a:p>
-            <a:endParaRPr lang="ru-RU" dirty="0"/>
-          </a:p>
-        </p:txBody>
-      </p:sp>
+              <a:t>Исследуемые характеристики</a:t>
+            </a:r>
+          </a:p>
+        </p:txBody>
+      </p:sp>
+      <mc:AlternateContent xmlns:mc="http://schemas.openxmlformats.org/markup-compatibility/2006">
+        <mc:Choice xmlns:a14="http://schemas.microsoft.com/office/drawing/2010/main" Requires="a14">
+          <p:sp>
+            <p:nvSpPr>
+              <p:cNvPr id="3" name="Объект 2">
+                <a:extLst>
+                  <a:ext uri="{FF2B5EF4-FFF2-40B4-BE49-F238E27FC236}">
+                    <a16:creationId xmlns:a16="http://schemas.microsoft.com/office/drawing/2014/main" id="{84340D9F-3AFB-4A20-9C25-F688EAFB4418}"/>
+                  </a:ext>
+                </a:extLst>
+              </p:cNvPr>
+              <p:cNvSpPr>
+                <a:spLocks noGrp="1"/>
+              </p:cNvSpPr>
+              <p:nvPr>
+                <p:ph idx="1"/>
+              </p:nvPr>
+            </p:nvSpPr>
+            <p:spPr/>
+            <p:txBody>
+              <a:bodyPr/>
+              <a:lstStyle/>
+              <a:p>
+                <a:r>
+                  <a:rPr lang="ru-RU" dirty="0"/>
+                  <a:t>Абсолютная глубина</a:t>
+                </a:r>
+                <a:r>
+                  <a:rPr lang="en-US" dirty="0"/>
+                  <a:t>:</a:t>
+                </a:r>
+                <a:r>
+                  <a:rPr lang="ru-RU" dirty="0"/>
+                  <a:t> </a:t>
+                </a:r>
+                <a14:m>
+                  <m:oMath xmlns:m="http://schemas.openxmlformats.org/officeDocument/2006/math">
+                    <m:sSub>
+                      <m:sSubPr>
+                        <m:ctrlPr>
+                          <a:rPr lang="ru-RU" i="1" smtClean="0">
+                            <a:latin typeface="Cambria Math" panose="02040503050406030204" pitchFamily="18" charset="0"/>
+                          </a:rPr>
+                        </m:ctrlPr>
+                      </m:sSubPr>
+                      <m:e>
+                        <m:r>
+                          <a:rPr lang="en-US" b="0" i="1" smtClean="0">
+                            <a:latin typeface="Cambria Math" panose="02040503050406030204" pitchFamily="18" charset="0"/>
+                          </a:rPr>
+                          <m:t>𝐷</m:t>
+                        </m:r>
+                      </m:e>
+                      <m:sub>
+                        <m:r>
+                          <a:rPr lang="en-US" b="0" i="1" smtClean="0">
+                            <a:latin typeface="Cambria Math" panose="02040503050406030204" pitchFamily="18" charset="0"/>
+                          </a:rPr>
+                          <m:t>𝑎𝑏𝑠</m:t>
+                        </m:r>
+                      </m:sub>
+                    </m:sSub>
+                    <m:r>
+                      <a:rPr lang="en-US" b="0" i="1" smtClean="0">
+                        <a:latin typeface="Cambria Math" panose="02040503050406030204" pitchFamily="18" charset="0"/>
+                      </a:rPr>
+                      <m:t>=</m:t>
+                    </m:r>
+                    <m:nary>
+                      <m:naryPr>
+                        <m:chr m:val="∑"/>
+                        <m:ctrlPr>
+                          <a:rPr lang="ru-RU" i="1" smtClean="0">
+                            <a:latin typeface="Cambria Math" panose="02040503050406030204" pitchFamily="18" charset="0"/>
+                          </a:rPr>
+                        </m:ctrlPr>
+                      </m:naryPr>
+                      <m:sub>
+                        <m:r>
+                          <m:rPr>
+                            <m:brk m:alnAt="23"/>
+                          </m:rPr>
+                          <a:rPr lang="en-US" b="0" i="1" smtClean="0">
+                            <a:latin typeface="Cambria Math" panose="02040503050406030204" pitchFamily="18" charset="0"/>
+                          </a:rPr>
+                          <m:t>𝑖</m:t>
+                        </m:r>
+                        <m:r>
+                          <a:rPr lang="en-US" b="0" i="1" smtClean="0">
+                            <a:latin typeface="Cambria Math" panose="02040503050406030204" pitchFamily="18" charset="0"/>
+                          </a:rPr>
+                          <m:t>=1</m:t>
+                        </m:r>
+                      </m:sub>
+                      <m:sup>
+                        <m:r>
+                          <a:rPr lang="en-US" b="0" i="1" smtClean="0">
+                            <a:latin typeface="Cambria Math" panose="02040503050406030204" pitchFamily="18" charset="0"/>
+                          </a:rPr>
+                          <m:t>𝑚</m:t>
+                        </m:r>
+                      </m:sup>
+                      <m:e>
+                        <m:nary>
+                          <m:naryPr>
+                            <m:chr m:val="∑"/>
+                            <m:ctrlPr>
+                              <a:rPr lang="ru-RU" i="1" smtClean="0">
+                                <a:latin typeface="Cambria Math" panose="02040503050406030204" pitchFamily="18" charset="0"/>
+                              </a:rPr>
+                            </m:ctrlPr>
+                          </m:naryPr>
+                          <m:sub>
+                            <m:r>
+                              <m:rPr>
+                                <m:brk m:alnAt="23"/>
+                              </m:rPr>
+                              <a:rPr lang="en-US" b="0" i="1" smtClean="0">
+                                <a:latin typeface="Cambria Math" panose="02040503050406030204" pitchFamily="18" charset="0"/>
+                              </a:rPr>
+                              <m:t>𝑗</m:t>
+                            </m:r>
+                            <m:r>
+                              <a:rPr lang="en-US" b="0" i="1" smtClean="0">
+                                <a:latin typeface="Cambria Math" panose="02040503050406030204" pitchFamily="18" charset="0"/>
+                              </a:rPr>
+                              <m:t>=1</m:t>
+                            </m:r>
+                          </m:sub>
+                          <m:sup>
+                            <m:r>
+                              <a:rPr lang="en-US" b="0" i="1" smtClean="0">
+                                <a:latin typeface="Cambria Math" panose="02040503050406030204" pitchFamily="18" charset="0"/>
+                              </a:rPr>
+                              <m:t>𝑛</m:t>
+                            </m:r>
+                          </m:sup>
+                          <m:e>
+                            <m:sSub>
+                              <m:sSubPr>
+                                <m:ctrlPr>
+                                  <a:rPr lang="ru-RU" i="1" smtClean="0">
+                                    <a:latin typeface="Cambria Math" panose="02040503050406030204" pitchFamily="18" charset="0"/>
+                                  </a:rPr>
+                                </m:ctrlPr>
+                              </m:sSubPr>
+                              <m:e>
+                                <m:r>
+                                  <a:rPr lang="en-US" b="0" i="1" smtClean="0">
+                                    <a:latin typeface="Cambria Math" panose="02040503050406030204" pitchFamily="18" charset="0"/>
+                                  </a:rPr>
+                                  <m:t>𝑆</m:t>
+                                </m:r>
+                              </m:e>
+                              <m:sub>
+                                <m:r>
+                                  <a:rPr lang="en-US" b="0" i="1" smtClean="0">
+                                    <a:latin typeface="Cambria Math" panose="02040503050406030204" pitchFamily="18" charset="0"/>
+                                  </a:rPr>
+                                  <m:t>𝑖𝑗</m:t>
+                                </m:r>
+                              </m:sub>
+                            </m:sSub>
+                          </m:e>
+                        </m:nary>
+                      </m:e>
+                    </m:nary>
+                  </m:oMath>
+                </a14:m>
+                <a:endParaRPr lang="en-US" dirty="0"/>
+              </a:p>
+              <a:p>
+                <a:r>
+                  <a:rPr lang="ru-RU" dirty="0"/>
+                  <a:t>Максимальная глубина: </a:t>
+                </a:r>
+                <a14:m>
+                  <m:oMath xmlns:m="http://schemas.openxmlformats.org/officeDocument/2006/math">
+                    <m:sSub>
+                      <m:sSubPr>
+                        <m:ctrlPr>
+                          <a:rPr lang="ru-RU" i="1" smtClean="0">
+                            <a:latin typeface="Cambria Math" panose="02040503050406030204" pitchFamily="18" charset="0"/>
+                          </a:rPr>
+                        </m:ctrlPr>
+                      </m:sSubPr>
+                      <m:e>
+                        <m:r>
+                          <a:rPr lang="en-US" b="0" i="1" smtClean="0">
+                            <a:latin typeface="Cambria Math" panose="02040503050406030204" pitchFamily="18" charset="0"/>
+                          </a:rPr>
+                          <m:t>𝐷</m:t>
+                        </m:r>
+                      </m:e>
+                      <m:sub>
+                        <m:r>
+                          <a:rPr lang="en-US" b="0" i="1" smtClean="0">
+                            <a:latin typeface="Cambria Math" panose="02040503050406030204" pitchFamily="18" charset="0"/>
+                          </a:rPr>
+                          <m:t>𝑚𝑎𝑥</m:t>
+                        </m:r>
+                      </m:sub>
+                    </m:sSub>
+                    <m:r>
+                      <a:rPr lang="en-US" b="0" i="1" smtClean="0">
+                        <a:latin typeface="Cambria Math" panose="02040503050406030204" pitchFamily="18" charset="0"/>
+                      </a:rPr>
+                      <m:t>=</m:t>
+                    </m:r>
+                    <m:sSub>
+                      <m:sSubPr>
+                        <m:ctrlPr>
+                          <a:rPr lang="en-US" b="0" i="1" smtClean="0">
+                            <a:latin typeface="Cambria Math" panose="02040503050406030204" pitchFamily="18" charset="0"/>
+                          </a:rPr>
+                        </m:ctrlPr>
+                      </m:sSubPr>
+                      <m:e>
+                        <m:r>
+                          <a:rPr lang="en-US" b="0" i="1" smtClean="0">
+                            <a:latin typeface="Cambria Math" panose="02040503050406030204" pitchFamily="18" charset="0"/>
+                          </a:rPr>
+                          <m:t>𝑚𝑎𝑥</m:t>
+                        </m:r>
+                      </m:e>
+                      <m:sub>
+                        <m:r>
+                          <a:rPr lang="en-US" b="0" i="1" smtClean="0">
+                            <a:latin typeface="Cambria Math" panose="02040503050406030204" pitchFamily="18" charset="0"/>
+                          </a:rPr>
+                          <m:t>𝑠</m:t>
+                        </m:r>
+                      </m:sub>
+                    </m:sSub>
+                    <m:d>
+                      <m:dPr>
+                        <m:ctrlPr>
+                          <a:rPr lang="en-US" b="0" i="1" smtClean="0">
+                            <a:latin typeface="Cambria Math" panose="02040503050406030204" pitchFamily="18" charset="0"/>
+                          </a:rPr>
+                        </m:ctrlPr>
+                      </m:dPr>
+                      <m:e>
+                        <m:sSub>
+                          <m:sSubPr>
+                            <m:ctrlPr>
+                              <a:rPr lang="en-US" b="0" i="1" smtClean="0">
+                                <a:latin typeface="Cambria Math" panose="02040503050406030204" pitchFamily="18" charset="0"/>
+                              </a:rPr>
+                            </m:ctrlPr>
+                          </m:sSubPr>
+                          <m:e>
+                            <m:r>
+                              <a:rPr lang="en-US" b="0" i="1" smtClean="0">
+                                <a:latin typeface="Cambria Math" panose="02040503050406030204" pitchFamily="18" charset="0"/>
+                              </a:rPr>
+                              <m:t>𝑆</m:t>
+                            </m:r>
+                          </m:e>
+                          <m:sub>
+                            <m:r>
+                              <a:rPr lang="en-US" b="0" i="1" smtClean="0">
+                                <a:latin typeface="Cambria Math" panose="02040503050406030204" pitchFamily="18" charset="0"/>
+                              </a:rPr>
+                              <m:t>𝑖𝑗</m:t>
+                            </m:r>
+                          </m:sub>
+                        </m:sSub>
+                      </m:e>
+                    </m:d>
+                  </m:oMath>
+                </a14:m>
+                <a:endParaRPr lang="en-US" b="0" dirty="0"/>
+              </a:p>
+              <a:p>
+                <a:r>
+                  <a:rPr lang="ru-RU" dirty="0"/>
+                  <a:t>Средняя глубина:</a:t>
+                </a:r>
+                <a:r>
+                  <a:rPr lang="en-US" dirty="0"/>
+                  <a:t> </a:t>
+                </a:r>
+                <a14:m>
+                  <m:oMath xmlns:m="http://schemas.openxmlformats.org/officeDocument/2006/math">
+                    <m:sSub>
+                      <m:sSubPr>
+                        <m:ctrlPr>
+                          <a:rPr lang="ru-RU" i="1">
+                            <a:latin typeface="Cambria Math" panose="02040503050406030204" pitchFamily="18" charset="0"/>
+                          </a:rPr>
+                        </m:ctrlPr>
+                      </m:sSubPr>
+                      <m:e>
+                        <m:r>
+                          <a:rPr lang="en-US" i="1">
+                            <a:latin typeface="Cambria Math" panose="02040503050406030204" pitchFamily="18" charset="0"/>
+                          </a:rPr>
+                          <m:t>𝐷</m:t>
+                        </m:r>
+                      </m:e>
+                      <m:sub>
+                        <m:r>
+                          <a:rPr lang="en-US" b="0" i="1" smtClean="0">
+                            <a:latin typeface="Cambria Math" panose="02040503050406030204" pitchFamily="18" charset="0"/>
+                          </a:rPr>
+                          <m:t>𝑎𝑣</m:t>
+                        </m:r>
+                      </m:sub>
+                    </m:sSub>
+                    <m:r>
+                      <a:rPr lang="en-US" i="1">
+                        <a:latin typeface="Cambria Math" panose="02040503050406030204" pitchFamily="18" charset="0"/>
+                      </a:rPr>
+                      <m:t>=</m:t>
+                    </m:r>
+                    <m:f>
+                      <m:fPr>
+                        <m:ctrlPr>
+                          <a:rPr lang="en-US" b="0" i="1" smtClean="0">
+                            <a:latin typeface="Cambria Math" panose="02040503050406030204" pitchFamily="18" charset="0"/>
+                          </a:rPr>
+                        </m:ctrlPr>
+                      </m:fPr>
+                      <m:num>
+                        <m:sSub>
+                          <m:sSubPr>
+                            <m:ctrlPr>
+                              <a:rPr lang="en-US" i="1">
+                                <a:latin typeface="Cambria Math" panose="02040503050406030204" pitchFamily="18" charset="0"/>
+                              </a:rPr>
+                            </m:ctrlPr>
+                          </m:sSubPr>
+                          <m:e>
+                            <m:r>
+                              <a:rPr lang="en-US" b="0" i="1" smtClean="0">
+                                <a:latin typeface="Cambria Math" panose="02040503050406030204" pitchFamily="18" charset="0"/>
+                              </a:rPr>
+                              <m:t>𝐷</m:t>
+                            </m:r>
+                          </m:e>
+                          <m:sub>
+                            <m:r>
+                              <a:rPr lang="en-US" b="0" i="1" smtClean="0">
+                                <a:latin typeface="Cambria Math" panose="02040503050406030204" pitchFamily="18" charset="0"/>
+                              </a:rPr>
+                              <m:t>𝑎𝑏𝑠</m:t>
+                            </m:r>
+                          </m:sub>
+                        </m:sSub>
+                      </m:num>
+                      <m:den>
+                        <m:sSub>
+                          <m:sSubPr>
+                            <m:ctrlPr>
+                              <a:rPr lang="en-US" b="0" i="1" smtClean="0">
+                                <a:latin typeface="Cambria Math" panose="02040503050406030204" pitchFamily="18" charset="0"/>
+                              </a:rPr>
+                            </m:ctrlPr>
+                          </m:sSubPr>
+                          <m:e>
+                            <m:r>
+                              <a:rPr lang="en-US" b="0" i="1" smtClean="0">
+                                <a:latin typeface="Cambria Math" panose="02040503050406030204" pitchFamily="18" charset="0"/>
+                              </a:rPr>
+                              <m:t>𝑁</m:t>
+                            </m:r>
+                          </m:e>
+                          <m:sub>
+                            <m:r>
+                              <a:rPr lang="en-US" b="0" i="1" smtClean="0">
+                                <a:latin typeface="Cambria Math" panose="02040503050406030204" pitchFamily="18" charset="0"/>
+                              </a:rPr>
+                              <m:t>𝑠</m:t>
+                            </m:r>
+                          </m:sub>
+                        </m:sSub>
+                      </m:den>
+                    </m:f>
+                  </m:oMath>
+                </a14:m>
+                <a:endParaRPr lang="en-US" b="0" dirty="0"/>
+              </a:p>
+              <a:p>
+                <a:r>
+                  <a:rPr lang="ru-RU" dirty="0"/>
+                  <a:t>Абсолютная ширина: </a:t>
+                </a:r>
+                <a14:m>
+                  <m:oMath xmlns:m="http://schemas.openxmlformats.org/officeDocument/2006/math">
+                    <m:sSub>
+                      <m:sSubPr>
+                        <m:ctrlPr>
+                          <a:rPr lang="ru-RU" i="1" smtClean="0">
+                            <a:latin typeface="Cambria Math" panose="02040503050406030204" pitchFamily="18" charset="0"/>
+                          </a:rPr>
+                        </m:ctrlPr>
+                      </m:sSubPr>
+                      <m:e>
+                        <m:r>
+                          <a:rPr lang="en-US" b="0" i="1" smtClean="0">
+                            <a:latin typeface="Cambria Math" panose="02040503050406030204" pitchFamily="18" charset="0"/>
+                          </a:rPr>
+                          <m:t>𝑊</m:t>
+                        </m:r>
+                      </m:e>
+                      <m:sub>
+                        <m:r>
+                          <a:rPr lang="en-US" b="0" i="1" smtClean="0">
+                            <a:latin typeface="Cambria Math" panose="02040503050406030204" pitchFamily="18" charset="0"/>
+                          </a:rPr>
+                          <m:t>𝑎𝑏𝑠</m:t>
+                        </m:r>
+                      </m:sub>
+                    </m:sSub>
+                    <m:r>
+                      <a:rPr lang="en-US" b="0" i="1" smtClean="0">
+                        <a:latin typeface="Cambria Math" panose="02040503050406030204" pitchFamily="18" charset="0"/>
+                      </a:rPr>
+                      <m:t>= </m:t>
+                    </m:r>
+                    <m:nary>
+                      <m:naryPr>
+                        <m:chr m:val="∑"/>
+                        <m:ctrlPr>
+                          <a:rPr lang="en-US" b="0" i="1" smtClean="0">
+                            <a:latin typeface="Cambria Math" panose="02040503050406030204" pitchFamily="18" charset="0"/>
+                          </a:rPr>
+                        </m:ctrlPr>
+                      </m:naryPr>
+                      <m:sub>
+                        <m:r>
+                          <m:rPr>
+                            <m:brk m:alnAt="23"/>
+                          </m:rPr>
+                          <a:rPr lang="en-US" b="0" i="1" smtClean="0">
+                            <a:latin typeface="Cambria Math" panose="02040503050406030204" pitchFamily="18" charset="0"/>
+                          </a:rPr>
+                          <m:t>𝑖</m:t>
+                        </m:r>
+                        <m:r>
+                          <a:rPr lang="en-US" b="0" i="1" smtClean="0">
+                            <a:latin typeface="Cambria Math" panose="02040503050406030204" pitchFamily="18" charset="0"/>
+                          </a:rPr>
+                          <m:t>=1</m:t>
+                        </m:r>
+                      </m:sub>
+                      <m:sup>
+                        <m:r>
+                          <a:rPr lang="en-US" b="0" i="1" smtClean="0">
+                            <a:latin typeface="Cambria Math" panose="02040503050406030204" pitchFamily="18" charset="0"/>
+                          </a:rPr>
+                          <m:t>𝑡</m:t>
+                        </m:r>
+                      </m:sup>
+                      <m:e>
+                        <m:sSub>
+                          <m:sSubPr>
+                            <m:ctrlPr>
+                              <a:rPr lang="en-US" b="0" i="1" smtClean="0">
+                                <a:latin typeface="Cambria Math" panose="02040503050406030204" pitchFamily="18" charset="0"/>
+                              </a:rPr>
+                            </m:ctrlPr>
+                          </m:sSubPr>
+                          <m:e>
+                            <m:r>
+                              <a:rPr lang="en-US" b="0" i="1" smtClean="0">
+                                <a:latin typeface="Cambria Math" panose="02040503050406030204" pitchFamily="18" charset="0"/>
+                              </a:rPr>
+                              <m:t>𝑝</m:t>
+                            </m:r>
+                          </m:e>
+                          <m:sub>
+                            <m:r>
+                              <a:rPr lang="en-US" b="0" i="1" smtClean="0">
+                                <a:latin typeface="Cambria Math" panose="02040503050406030204" pitchFamily="18" charset="0"/>
+                              </a:rPr>
+                              <m:t>𝑖</m:t>
+                            </m:r>
+                          </m:sub>
+                        </m:sSub>
+                      </m:e>
+                    </m:nary>
+                  </m:oMath>
+                </a14:m>
+                <a:endParaRPr lang="en-US" b="0" dirty="0"/>
+              </a:p>
+              <a:p>
+                <a:r>
+                  <a:rPr lang="ru-RU" dirty="0"/>
+                  <a:t>Максимальная ширина: </a:t>
+                </a:r>
+                <a14:m>
+                  <m:oMath xmlns:m="http://schemas.openxmlformats.org/officeDocument/2006/math">
+                    <m:sSub>
+                      <m:sSubPr>
+                        <m:ctrlPr>
+                          <a:rPr lang="ru-RU" i="1">
+                            <a:latin typeface="Cambria Math" panose="02040503050406030204" pitchFamily="18" charset="0"/>
+                          </a:rPr>
+                        </m:ctrlPr>
+                      </m:sSubPr>
+                      <m:e>
+                        <m:r>
+                          <a:rPr lang="en-US" b="0" i="1" smtClean="0">
+                            <a:latin typeface="Cambria Math" panose="02040503050406030204" pitchFamily="18" charset="0"/>
+                          </a:rPr>
+                          <m:t>𝑊</m:t>
+                        </m:r>
+                      </m:e>
+                      <m:sub>
+                        <m:r>
+                          <a:rPr lang="en-US" i="1">
+                            <a:latin typeface="Cambria Math" panose="02040503050406030204" pitchFamily="18" charset="0"/>
+                          </a:rPr>
+                          <m:t>𝑚𝑎𝑥</m:t>
+                        </m:r>
+                      </m:sub>
+                    </m:sSub>
+                    <m:r>
+                      <a:rPr lang="en-US" i="1">
+                        <a:latin typeface="Cambria Math" panose="02040503050406030204" pitchFamily="18" charset="0"/>
+                      </a:rPr>
+                      <m:t>=</m:t>
+                    </m:r>
+                    <m:sSub>
+                      <m:sSubPr>
+                        <m:ctrlPr>
+                          <a:rPr lang="en-US" i="1">
+                            <a:latin typeface="Cambria Math" panose="02040503050406030204" pitchFamily="18" charset="0"/>
+                          </a:rPr>
+                        </m:ctrlPr>
+                      </m:sSubPr>
+                      <m:e>
+                        <m:r>
+                          <a:rPr lang="en-US" i="1">
+                            <a:latin typeface="Cambria Math" panose="02040503050406030204" pitchFamily="18" charset="0"/>
+                          </a:rPr>
+                          <m:t>𝑚𝑎𝑥</m:t>
+                        </m:r>
+                      </m:e>
+                      <m:sub>
+                        <m:r>
+                          <a:rPr lang="en-US" b="0" i="1" smtClean="0">
+                            <a:latin typeface="Cambria Math" panose="02040503050406030204" pitchFamily="18" charset="0"/>
+                          </a:rPr>
+                          <m:t>𝑡</m:t>
+                        </m:r>
+                      </m:sub>
+                    </m:sSub>
+                    <m:d>
+                      <m:dPr>
+                        <m:ctrlPr>
+                          <a:rPr lang="en-US" i="1">
+                            <a:latin typeface="Cambria Math" panose="02040503050406030204" pitchFamily="18" charset="0"/>
+                          </a:rPr>
+                        </m:ctrlPr>
+                      </m:dPr>
+                      <m:e>
+                        <m:sSub>
+                          <m:sSubPr>
+                            <m:ctrlPr>
+                              <a:rPr lang="en-US" i="1">
+                                <a:latin typeface="Cambria Math" panose="02040503050406030204" pitchFamily="18" charset="0"/>
+                              </a:rPr>
+                            </m:ctrlPr>
+                          </m:sSubPr>
+                          <m:e>
+                            <m:r>
+                              <a:rPr lang="en-US" b="0" i="1" smtClean="0">
+                                <a:latin typeface="Cambria Math" panose="02040503050406030204" pitchFamily="18" charset="0"/>
+                              </a:rPr>
+                              <m:t>𝑝</m:t>
+                            </m:r>
+                          </m:e>
+                          <m:sub>
+                            <m:r>
+                              <a:rPr lang="en-US" b="0" i="1" smtClean="0">
+                                <a:latin typeface="Cambria Math" panose="02040503050406030204" pitchFamily="18" charset="0"/>
+                              </a:rPr>
+                              <m:t>𝑖</m:t>
+                            </m:r>
+                          </m:sub>
+                        </m:sSub>
+                      </m:e>
+                    </m:d>
+                  </m:oMath>
+                </a14:m>
+                <a:endParaRPr lang="en-US" dirty="0"/>
+              </a:p>
+              <a:p>
+                <a:r>
+                  <a:rPr lang="ru-RU" dirty="0"/>
+                  <a:t>Средняя ширина: </a:t>
+                </a:r>
+                <a14:m>
+                  <m:oMath xmlns:m="http://schemas.openxmlformats.org/officeDocument/2006/math">
+                    <m:sSub>
+                      <m:sSubPr>
+                        <m:ctrlPr>
+                          <a:rPr lang="ru-RU" i="1">
+                            <a:latin typeface="Cambria Math" panose="02040503050406030204" pitchFamily="18" charset="0"/>
+                          </a:rPr>
+                        </m:ctrlPr>
+                      </m:sSubPr>
+                      <m:e>
+                        <m:r>
+                          <a:rPr lang="en-US" b="0" i="1" smtClean="0">
+                            <a:latin typeface="Cambria Math" panose="02040503050406030204" pitchFamily="18" charset="0"/>
+                          </a:rPr>
+                          <m:t>𝑊</m:t>
+                        </m:r>
+                      </m:e>
+                      <m:sub>
+                        <m:r>
+                          <a:rPr lang="en-US" i="1">
+                            <a:latin typeface="Cambria Math" panose="02040503050406030204" pitchFamily="18" charset="0"/>
+                          </a:rPr>
+                          <m:t>𝑎𝑣</m:t>
+                        </m:r>
+                      </m:sub>
+                    </m:sSub>
+                    <m:r>
+                      <a:rPr lang="en-US" i="1">
+                        <a:latin typeface="Cambria Math" panose="02040503050406030204" pitchFamily="18" charset="0"/>
+                      </a:rPr>
+                      <m:t>=</m:t>
+                    </m:r>
+                    <m:f>
+                      <m:fPr>
+                        <m:ctrlPr>
+                          <a:rPr lang="en-US" i="1">
+                            <a:latin typeface="Cambria Math" panose="02040503050406030204" pitchFamily="18" charset="0"/>
+                          </a:rPr>
+                        </m:ctrlPr>
+                      </m:fPr>
+                      <m:num>
+                        <m:sSub>
+                          <m:sSubPr>
+                            <m:ctrlPr>
+                              <a:rPr lang="en-US" i="1">
+                                <a:latin typeface="Cambria Math" panose="02040503050406030204" pitchFamily="18" charset="0"/>
+                              </a:rPr>
+                            </m:ctrlPr>
+                          </m:sSubPr>
+                          <m:e>
+                            <m:r>
+                              <a:rPr lang="en-US" b="0" i="1" smtClean="0">
+                                <a:latin typeface="Cambria Math" panose="02040503050406030204" pitchFamily="18" charset="0"/>
+                              </a:rPr>
+                              <m:t>𝑊</m:t>
+                            </m:r>
+                          </m:e>
+                          <m:sub>
+                            <m:r>
+                              <a:rPr lang="en-US" i="1">
+                                <a:latin typeface="Cambria Math" panose="02040503050406030204" pitchFamily="18" charset="0"/>
+                              </a:rPr>
+                              <m:t>𝑎𝑏𝑠</m:t>
+                            </m:r>
+                          </m:sub>
+                        </m:sSub>
+                      </m:num>
+                      <m:den>
+                        <m:r>
+                          <a:rPr lang="en-US" b="0" i="1" smtClean="0">
+                            <a:latin typeface="Cambria Math" panose="02040503050406030204" pitchFamily="18" charset="0"/>
+                          </a:rPr>
+                          <m:t>𝐿</m:t>
+                        </m:r>
+                      </m:den>
+                    </m:f>
+                  </m:oMath>
+                </a14:m>
+                <a:endParaRPr lang="ru-RU" dirty="0"/>
+              </a:p>
+            </p:txBody>
+          </p:sp>
+        </mc:Choice>
+        <mc:Fallback>
+          <p:sp>
+            <p:nvSpPr>
+              <p:cNvPr id="3" name="Объект 2">
+                <a:extLst>
+                  <a:ext uri="{FF2B5EF4-FFF2-40B4-BE49-F238E27FC236}">
+                    <a16:creationId xmlns:a16="http://schemas.microsoft.com/office/drawing/2014/main" id="{84340D9F-3AFB-4A20-9C25-F688EAFB4418}"/>
+                  </a:ext>
+                </a:extLst>
+              </p:cNvPr>
+              <p:cNvSpPr>
+                <a:spLocks noGrp="1" noRot="1" noChangeAspect="1" noMove="1" noResize="1" noEditPoints="1" noAdjustHandles="1" noChangeArrowheads="1" noChangeShapeType="1" noTextEdit="1"/>
+              </p:cNvSpPr>
+              <p:nvPr>
+                <p:ph idx="1"/>
+              </p:nvPr>
+            </p:nvSpPr>
+            <p:spPr>
+              <a:blipFill>
+                <a:blip r:embed="rId2"/>
+                <a:stretch>
+                  <a:fillRect l="-1043" t="-1961"/>
+                </a:stretch>
+              </a:blipFill>
+            </p:spPr>
+            <p:txBody>
+              <a:bodyPr/>
+              <a:lstStyle/>
+              <a:p>
+                <a:r>
+                  <a:rPr lang="ru-RU">
+                    <a:noFill/>
+                  </a:rPr>
+                  <a:t> </a:t>
+                </a:r>
+              </a:p>
+            </p:txBody>
+          </p:sp>
+        </mc:Fallback>
+      </mc:AlternateContent>
     </p:spTree>
     <p:extLst>
       <p:ext uri="{BB962C8B-B14F-4D97-AF65-F5344CB8AC3E}">
@@ -3641,31 +4337,404 @@
           </a:p>
         </p:txBody>
       </p:sp>
-      <p:sp>
-        <p:nvSpPr>
-          <p:cNvPr id="3" name="Объект 2">
-            <a:extLst>
-              <a:ext uri="{FF2B5EF4-FFF2-40B4-BE49-F238E27FC236}">
-                <a16:creationId xmlns:a16="http://schemas.microsoft.com/office/drawing/2014/main" id="{71960F7D-7C5C-4077-8606-3B1650F4CDF8}"/>
-              </a:ext>
-            </a:extLst>
-          </p:cNvPr>
-          <p:cNvSpPr>
-            <a:spLocks noGrp="1"/>
-          </p:cNvSpPr>
-          <p:nvPr>
-            <p:ph idx="1"/>
-          </p:nvPr>
-        </p:nvSpPr>
-        <p:spPr/>
-        <p:txBody>
-          <a:bodyPr/>
-          <a:lstStyle/>
-          <a:p>
-            <a:endParaRPr lang="ru-RU"/>
-          </a:p>
-        </p:txBody>
-      </p:sp>
+      <mc:AlternateContent xmlns:mc="http://schemas.openxmlformats.org/markup-compatibility/2006">
+        <mc:Choice xmlns:a14="http://schemas.microsoft.com/office/drawing/2010/main" Requires="a14">
+          <p:sp>
+            <p:nvSpPr>
+              <p:cNvPr id="3" name="Объект 2">
+                <a:extLst>
+                  <a:ext uri="{FF2B5EF4-FFF2-40B4-BE49-F238E27FC236}">
+                    <a16:creationId xmlns:a16="http://schemas.microsoft.com/office/drawing/2014/main" id="{71960F7D-7C5C-4077-8606-3B1650F4CDF8}"/>
+                  </a:ext>
+                </a:extLst>
+              </p:cNvPr>
+              <p:cNvSpPr>
+                <a:spLocks noGrp="1"/>
+              </p:cNvSpPr>
+              <p:nvPr>
+                <p:ph idx="1"/>
+              </p:nvPr>
+            </p:nvSpPr>
+            <p:spPr/>
+            <p:txBody>
+              <a:bodyPr/>
+              <a:lstStyle/>
+              <a:p>
+                <a14:m>
+                  <m:oMath xmlns:m="http://schemas.openxmlformats.org/officeDocument/2006/math">
+                    <m:sSub>
+                      <m:sSubPr>
+                        <m:ctrlPr>
+                          <a:rPr lang="ru-RU" i="1" smtClean="0">
+                            <a:latin typeface="Cambria Math" panose="02040503050406030204" pitchFamily="18" charset="0"/>
+                          </a:rPr>
+                        </m:ctrlPr>
+                      </m:sSubPr>
+                      <m:e>
+                        <m:r>
+                          <a:rPr lang="en-US" i="1">
+                            <a:latin typeface="Cambria Math" panose="02040503050406030204" pitchFamily="18" charset="0"/>
+                          </a:rPr>
+                          <m:t>𝐷</m:t>
+                        </m:r>
+                      </m:e>
+                      <m:sub>
+                        <m:r>
+                          <a:rPr lang="en-US" i="1">
+                            <a:latin typeface="Cambria Math" panose="02040503050406030204" pitchFamily="18" charset="0"/>
+                          </a:rPr>
+                          <m:t>𝑎𝑏𝑠</m:t>
+                        </m:r>
+                      </m:sub>
+                    </m:sSub>
+                    <m:r>
+                      <a:rPr lang="ru-RU" b="0" i="1" smtClean="0">
+                        <a:latin typeface="Cambria Math" panose="02040503050406030204" pitchFamily="18" charset="0"/>
+                      </a:rPr>
+                      <m:t>=20</m:t>
+                    </m:r>
+                  </m:oMath>
+                </a14:m>
+                <a:endParaRPr lang="ru-RU" b="0" dirty="0"/>
+              </a:p>
+              <a:p>
+                <a14:m>
+                  <m:oMath xmlns:m="http://schemas.openxmlformats.org/officeDocument/2006/math">
+                    <m:sSub>
+                      <m:sSubPr>
+                        <m:ctrlPr>
+                          <a:rPr lang="ru-RU" i="1">
+                            <a:latin typeface="Cambria Math" panose="02040503050406030204" pitchFamily="18" charset="0"/>
+                          </a:rPr>
+                        </m:ctrlPr>
+                      </m:sSubPr>
+                      <m:e>
+                        <m:r>
+                          <a:rPr lang="en-US" i="1">
+                            <a:latin typeface="Cambria Math" panose="02040503050406030204" pitchFamily="18" charset="0"/>
+                          </a:rPr>
+                          <m:t>𝐷</m:t>
+                        </m:r>
+                      </m:e>
+                      <m:sub>
+                        <m:r>
+                          <a:rPr lang="en-US" i="1">
+                            <a:latin typeface="Cambria Math" panose="02040503050406030204" pitchFamily="18" charset="0"/>
+                          </a:rPr>
+                          <m:t>𝑚𝑎𝑥</m:t>
+                        </m:r>
+                      </m:sub>
+                    </m:sSub>
+                    <m:r>
+                      <a:rPr lang="ru-RU" b="0" i="1" smtClean="0">
+                        <a:latin typeface="Cambria Math" panose="02040503050406030204" pitchFamily="18" charset="0"/>
+                      </a:rPr>
+                      <m:t>=</m:t>
+                    </m:r>
+                    <m:r>
+                      <a:rPr lang="en-US" b="0" i="0" smtClean="0">
+                        <a:latin typeface="Cambria Math" panose="02040503050406030204" pitchFamily="18" charset="0"/>
+                      </a:rPr>
+                      <m:t>4</m:t>
+                    </m:r>
+                  </m:oMath>
+                </a14:m>
+                <a:endParaRPr lang="ru-RU" b="0" dirty="0"/>
+              </a:p>
+              <a:p>
+                <a14:m>
+                  <m:oMath xmlns:m="http://schemas.openxmlformats.org/officeDocument/2006/math">
+                    <m:sSub>
+                      <m:sSubPr>
+                        <m:ctrlPr>
+                          <a:rPr lang="ru-RU" i="1">
+                            <a:latin typeface="Cambria Math" panose="02040503050406030204" pitchFamily="18" charset="0"/>
+                          </a:rPr>
+                        </m:ctrlPr>
+                      </m:sSubPr>
+                      <m:e>
+                        <m:r>
+                          <a:rPr lang="en-US" i="1">
+                            <a:latin typeface="Cambria Math" panose="02040503050406030204" pitchFamily="18" charset="0"/>
+                          </a:rPr>
+                          <m:t>𝐷</m:t>
+                        </m:r>
+                      </m:e>
+                      <m:sub>
+                        <m:r>
+                          <a:rPr lang="en-US" i="1">
+                            <a:latin typeface="Cambria Math" panose="02040503050406030204" pitchFamily="18" charset="0"/>
+                          </a:rPr>
+                          <m:t>𝑎𝑣</m:t>
+                        </m:r>
+                      </m:sub>
+                    </m:sSub>
+                    <m:r>
+                      <a:rPr lang="ru-RU" b="0" i="1" smtClean="0">
+                        <a:latin typeface="Cambria Math" panose="02040503050406030204" pitchFamily="18" charset="0"/>
+                      </a:rPr>
+                      <m:t>=</m:t>
+                    </m:r>
+                    <m:f>
+                      <m:fPr>
+                        <m:ctrlPr>
+                          <a:rPr lang="en-US" b="0" i="0" smtClean="0">
+                            <a:latin typeface="Cambria Math" panose="02040503050406030204" pitchFamily="18" charset="0"/>
+                          </a:rPr>
+                        </m:ctrlPr>
+                      </m:fPr>
+                      <m:num>
+                        <m:r>
+                          <a:rPr lang="ru-RU" b="0" i="0" smtClean="0">
+                            <a:latin typeface="Cambria Math" panose="02040503050406030204" pitchFamily="18" charset="0"/>
+                          </a:rPr>
+                          <m:t>20</m:t>
+                        </m:r>
+                      </m:num>
+                      <m:den>
+                        <m:r>
+                          <a:rPr lang="en-US" b="0" i="0" smtClean="0">
+                            <a:latin typeface="Cambria Math" panose="02040503050406030204" pitchFamily="18" charset="0"/>
+                          </a:rPr>
+                          <m:t>14</m:t>
+                        </m:r>
+                      </m:den>
+                    </m:f>
+                    <m:r>
+                      <a:rPr lang="en-US" b="0" i="0" smtClean="0">
+                        <a:latin typeface="Cambria Math" panose="02040503050406030204" pitchFamily="18" charset="0"/>
+                      </a:rPr>
+                      <m:t>=</m:t>
+                    </m:r>
+                    <m:r>
+                      <a:rPr lang="ru-RU" b="0" i="0" smtClean="0">
+                        <a:latin typeface="Cambria Math" panose="02040503050406030204" pitchFamily="18" charset="0"/>
+                      </a:rPr>
+                      <m:t>1,4</m:t>
+                    </m:r>
+                  </m:oMath>
+                </a14:m>
+                <a:endParaRPr lang="ru-RU" b="0" dirty="0"/>
+              </a:p>
+              <a:p>
+                <a14:m>
+                  <m:oMath xmlns:m="http://schemas.openxmlformats.org/officeDocument/2006/math">
+                    <m:sSub>
+                      <m:sSubPr>
+                        <m:ctrlPr>
+                          <a:rPr lang="ru-RU" i="1">
+                            <a:latin typeface="Cambria Math" panose="02040503050406030204" pitchFamily="18" charset="0"/>
+                          </a:rPr>
+                        </m:ctrlPr>
+                      </m:sSubPr>
+                      <m:e>
+                        <m:r>
+                          <a:rPr lang="en-US" i="1">
+                            <a:latin typeface="Cambria Math" panose="02040503050406030204" pitchFamily="18" charset="0"/>
+                          </a:rPr>
+                          <m:t>𝑊</m:t>
+                        </m:r>
+                      </m:e>
+                      <m:sub>
+                        <m:r>
+                          <a:rPr lang="en-US" i="1">
+                            <a:latin typeface="Cambria Math" panose="02040503050406030204" pitchFamily="18" charset="0"/>
+                          </a:rPr>
+                          <m:t>𝑎𝑏𝑠</m:t>
+                        </m:r>
+                      </m:sub>
+                    </m:sSub>
+                    <m:r>
+                      <a:rPr lang="ru-RU" b="0" i="1" smtClean="0">
+                        <a:latin typeface="Cambria Math" panose="02040503050406030204" pitchFamily="18" charset="0"/>
+                      </a:rPr>
+                      <m:t>=21</m:t>
+                    </m:r>
+                  </m:oMath>
+                </a14:m>
+                <a:endParaRPr lang="ru-RU" b="0" i="1" dirty="0">
+                  <a:latin typeface="Cambria Math" panose="02040503050406030204" pitchFamily="18" charset="0"/>
+                </a:endParaRPr>
+              </a:p>
+              <a:p>
+                <a14:m>
+                  <m:oMath xmlns:m="http://schemas.openxmlformats.org/officeDocument/2006/math">
+                    <m:sSub>
+                      <m:sSubPr>
+                        <m:ctrlPr>
+                          <a:rPr lang="ru-RU" i="1">
+                            <a:latin typeface="Cambria Math" panose="02040503050406030204" pitchFamily="18" charset="0"/>
+                          </a:rPr>
+                        </m:ctrlPr>
+                      </m:sSubPr>
+                      <m:e>
+                        <m:r>
+                          <a:rPr lang="en-US" i="1">
+                            <a:latin typeface="Cambria Math" panose="02040503050406030204" pitchFamily="18" charset="0"/>
+                          </a:rPr>
+                          <m:t>𝑊</m:t>
+                        </m:r>
+                      </m:e>
+                      <m:sub>
+                        <m:r>
+                          <a:rPr lang="en-US" i="1">
+                            <a:latin typeface="Cambria Math" panose="02040503050406030204" pitchFamily="18" charset="0"/>
+                          </a:rPr>
+                          <m:t>𝑚𝑎𝑥</m:t>
+                        </m:r>
+                      </m:sub>
+                    </m:sSub>
+                    <m:r>
+                      <a:rPr lang="ru-RU" b="0" i="1" smtClean="0">
+                        <a:latin typeface="Cambria Math" panose="02040503050406030204" pitchFamily="18" charset="0"/>
+                      </a:rPr>
+                      <m:t>=</m:t>
+                    </m:r>
+                    <m:r>
+                      <a:rPr lang="en-US" b="0" i="1" smtClean="0">
+                        <a:latin typeface="Cambria Math" panose="02040503050406030204" pitchFamily="18" charset="0"/>
+                      </a:rPr>
+                      <m:t>14</m:t>
+                    </m:r>
+                  </m:oMath>
+                </a14:m>
+                <a:endParaRPr lang="ru-RU" b="0" i="1" dirty="0">
+                  <a:latin typeface="Cambria Math" panose="02040503050406030204" pitchFamily="18" charset="0"/>
+                </a:endParaRPr>
+              </a:p>
+              <a:p>
+                <a14:m>
+                  <m:oMath xmlns:m="http://schemas.openxmlformats.org/officeDocument/2006/math">
+                    <m:r>
+                      <a:rPr lang="ru-RU" b="0" i="1" smtClean="0">
+                        <a:latin typeface="Cambria Math" panose="02040503050406030204" pitchFamily="18" charset="0"/>
+                      </a:rPr>
+                      <m:t> </m:t>
+                    </m:r>
+                    <m:sSub>
+                      <m:sSubPr>
+                        <m:ctrlPr>
+                          <a:rPr lang="ru-RU" i="1">
+                            <a:latin typeface="Cambria Math" panose="02040503050406030204" pitchFamily="18" charset="0"/>
+                          </a:rPr>
+                        </m:ctrlPr>
+                      </m:sSubPr>
+                      <m:e>
+                        <m:r>
+                          <a:rPr lang="en-US" i="1">
+                            <a:latin typeface="Cambria Math" panose="02040503050406030204" pitchFamily="18" charset="0"/>
+                          </a:rPr>
+                          <m:t>𝑊</m:t>
+                        </m:r>
+                      </m:e>
+                      <m:sub>
+                        <m:r>
+                          <a:rPr lang="en-US" i="1">
+                            <a:latin typeface="Cambria Math" panose="02040503050406030204" pitchFamily="18" charset="0"/>
+                          </a:rPr>
+                          <m:t>𝑎𝑣</m:t>
+                        </m:r>
+                      </m:sub>
+                    </m:sSub>
+                    <m:r>
+                      <a:rPr lang="ru-RU" b="0" i="1" smtClean="0">
+                        <a:latin typeface="Cambria Math" panose="02040503050406030204" pitchFamily="18" charset="0"/>
+                      </a:rPr>
+                      <m:t>=</m:t>
+                    </m:r>
+                    <m:f>
+                      <m:fPr>
+                        <m:ctrlPr>
+                          <a:rPr lang="en-US" b="0" i="1" smtClean="0">
+                            <a:latin typeface="Cambria Math" panose="02040503050406030204" pitchFamily="18" charset="0"/>
+                          </a:rPr>
+                        </m:ctrlPr>
+                      </m:fPr>
+                      <m:num>
+                        <m:r>
+                          <a:rPr lang="en-US" b="0" i="1" smtClean="0">
+                            <a:latin typeface="Cambria Math" panose="02040503050406030204" pitchFamily="18" charset="0"/>
+                          </a:rPr>
+                          <m:t>21</m:t>
+                        </m:r>
+                      </m:num>
+                      <m:den>
+                        <m:r>
+                          <a:rPr lang="en-US" b="0" i="1" smtClean="0">
+                            <a:latin typeface="Cambria Math" panose="02040503050406030204" pitchFamily="18" charset="0"/>
+                          </a:rPr>
+                          <m:t>3</m:t>
+                        </m:r>
+                      </m:den>
+                    </m:f>
+                    <m:r>
+                      <a:rPr lang="en-US" b="0" i="1" smtClean="0">
+                        <a:latin typeface="Cambria Math" panose="02040503050406030204" pitchFamily="18" charset="0"/>
+                      </a:rPr>
+                      <m:t>=</m:t>
+                    </m:r>
+                    <m:r>
+                      <a:rPr lang="ru-RU" b="0" i="1" smtClean="0">
+                        <a:latin typeface="Cambria Math" panose="02040503050406030204" pitchFamily="18" charset="0"/>
+                      </a:rPr>
+                      <m:t>7</m:t>
+                    </m:r>
+                  </m:oMath>
+                </a14:m>
+                <a:endParaRPr lang="ru-RU" b="0" dirty="0"/>
+              </a:p>
+              <a:p>
+                <a:endParaRPr lang="ru-RU" b="0" dirty="0"/>
+              </a:p>
+              <a:p>
+                <a:endParaRPr lang="ru-RU" b="0" dirty="0"/>
+              </a:p>
+              <a:p>
+                <a:endParaRPr lang="ru-RU" dirty="0"/>
+              </a:p>
+            </p:txBody>
+          </p:sp>
+        </mc:Choice>
+        <mc:Fallback>
+          <p:sp>
+            <p:nvSpPr>
+              <p:cNvPr id="3" name="Объект 2">
+                <a:extLst>
+                  <a:ext uri="{FF2B5EF4-FFF2-40B4-BE49-F238E27FC236}">
+                    <a16:creationId xmlns:a16="http://schemas.microsoft.com/office/drawing/2014/main" id="{71960F7D-7C5C-4077-8606-3B1650F4CDF8}"/>
+                  </a:ext>
+                </a:extLst>
+              </p:cNvPr>
+              <p:cNvSpPr>
+                <a:spLocks noGrp="1" noRot="1" noChangeAspect="1" noMove="1" noResize="1" noEditPoints="1" noAdjustHandles="1" noChangeArrowheads="1" noChangeShapeType="1" noTextEdit="1"/>
+              </p:cNvSpPr>
+              <p:nvPr>
+                <p:ph idx="1"/>
+              </p:nvPr>
+            </p:nvSpPr>
+            <p:spPr>
+              <a:blipFill>
+                <a:blip r:embed="rId2"/>
+                <a:stretch>
+                  <a:fillRect/>
+                </a:stretch>
+              </a:blipFill>
+            </p:spPr>
+            <p:txBody>
+              <a:bodyPr/>
+              <a:lstStyle/>
+              <a:p>
+                <a:r>
+                  <a:rPr lang="ru-RU">
+                    <a:noFill/>
+                  </a:rPr>
+                  <a:t> </a:t>
+                </a:r>
+              </a:p>
+            </p:txBody>
+          </p:sp>
+        </mc:Fallback>
+      </mc:AlternateContent>
     </p:spTree>
     <p:extLst>
       <p:ext uri="{BB962C8B-B14F-4D97-AF65-F5344CB8AC3E}">
@@ -3812,35 +4881,1009 @@
           </a:p>
         </p:txBody>
       </p:sp>
-      <p:sp>
-        <p:nvSpPr>
-          <p:cNvPr id="3" name="Объект 2">
-            <a:extLst>
-              <a:ext uri="{FF2B5EF4-FFF2-40B4-BE49-F238E27FC236}">
-                <a16:creationId xmlns:a16="http://schemas.microsoft.com/office/drawing/2014/main" id="{8488442B-AC0C-4849-8682-05B9773ED58D}"/>
-              </a:ext>
-            </a:extLst>
-          </p:cNvPr>
-          <p:cNvSpPr>
-            <a:spLocks noGrp="1"/>
-          </p:cNvSpPr>
-          <p:nvPr>
-            <p:ph idx="1"/>
-          </p:nvPr>
-        </p:nvSpPr>
-        <p:spPr/>
-        <p:txBody>
-          <a:bodyPr/>
-          <a:lstStyle/>
-          <a:p>
-            <a:endParaRPr lang="ru-RU" dirty="0"/>
-          </a:p>
-        </p:txBody>
-      </p:sp>
+      <mc:AlternateContent xmlns:mc="http://schemas.openxmlformats.org/markup-compatibility/2006">
+        <mc:Choice xmlns:a14="http://schemas.microsoft.com/office/drawing/2010/main" Requires="a14">
+          <p:sp>
+            <p:nvSpPr>
+              <p:cNvPr id="3" name="Объект 2">
+                <a:extLst>
+                  <a:ext uri="{FF2B5EF4-FFF2-40B4-BE49-F238E27FC236}">
+                    <a16:creationId xmlns:a16="http://schemas.microsoft.com/office/drawing/2014/main" id="{8488442B-AC0C-4849-8682-05B9773ED58D}"/>
+                  </a:ext>
+                </a:extLst>
+              </p:cNvPr>
+              <p:cNvSpPr>
+                <a:spLocks noGrp="1"/>
+              </p:cNvSpPr>
+              <p:nvPr>
+                <p:ph idx="1"/>
+              </p:nvPr>
+            </p:nvSpPr>
+            <p:spPr/>
+            <p:txBody>
+              <a:bodyPr/>
+              <a:lstStyle/>
+              <a:p>
+                <a14:m>
+                  <m:oMath xmlns:m="http://schemas.openxmlformats.org/officeDocument/2006/math">
+                    <m:sSub>
+                      <m:sSubPr>
+                        <m:ctrlPr>
+                          <a:rPr lang="ru-RU" i="1" smtClean="0">
+                            <a:latin typeface="Cambria Math" panose="02040503050406030204" pitchFamily="18" charset="0"/>
+                          </a:rPr>
+                        </m:ctrlPr>
+                      </m:sSubPr>
+                      <m:e>
+                        <m:r>
+                          <a:rPr lang="en-US" i="1">
+                            <a:latin typeface="Cambria Math" panose="02040503050406030204" pitchFamily="18" charset="0"/>
+                          </a:rPr>
+                          <m:t>𝐷</m:t>
+                        </m:r>
+                      </m:e>
+                      <m:sub>
+                        <m:r>
+                          <a:rPr lang="en-US" i="1">
+                            <a:latin typeface="Cambria Math" panose="02040503050406030204" pitchFamily="18" charset="0"/>
+                          </a:rPr>
+                          <m:t>𝑎𝑏𝑠</m:t>
+                        </m:r>
+                      </m:sub>
+                    </m:sSub>
+                    <m:r>
+                      <a:rPr lang="ru-RU" i="1">
+                        <a:latin typeface="Cambria Math" panose="02040503050406030204" pitchFamily="18" charset="0"/>
+                      </a:rPr>
+                      <m:t>=</m:t>
+                    </m:r>
+                    <m:r>
+                      <a:rPr lang="en-US" b="0" i="1" smtClean="0">
+                        <a:latin typeface="Cambria Math" panose="02040503050406030204" pitchFamily="18" charset="0"/>
+                      </a:rPr>
+                      <m:t>47</m:t>
+                    </m:r>
+                  </m:oMath>
+                </a14:m>
+                <a:endParaRPr lang="en-US" b="0" i="1" dirty="0">
+                  <a:latin typeface="Cambria Math" panose="02040503050406030204" pitchFamily="18" charset="0"/>
+                </a:endParaRPr>
+              </a:p>
+              <a:p>
+                <a14:m>
+                  <m:oMath xmlns:m="http://schemas.openxmlformats.org/officeDocument/2006/math">
+                    <m:sSub>
+                      <m:sSubPr>
+                        <m:ctrlPr>
+                          <a:rPr lang="ru-RU" i="1">
+                            <a:latin typeface="Cambria Math" panose="02040503050406030204" pitchFamily="18" charset="0"/>
+                          </a:rPr>
+                        </m:ctrlPr>
+                      </m:sSubPr>
+                      <m:e>
+                        <m:r>
+                          <a:rPr lang="en-US" i="1">
+                            <a:latin typeface="Cambria Math" panose="02040503050406030204" pitchFamily="18" charset="0"/>
+                          </a:rPr>
+                          <m:t>𝐷</m:t>
+                        </m:r>
+                      </m:e>
+                      <m:sub>
+                        <m:r>
+                          <a:rPr lang="en-US" i="1">
+                            <a:latin typeface="Cambria Math" panose="02040503050406030204" pitchFamily="18" charset="0"/>
+                          </a:rPr>
+                          <m:t>𝑚𝑎𝑥</m:t>
+                        </m:r>
+                      </m:sub>
+                    </m:sSub>
+                    <m:r>
+                      <a:rPr lang="ru-RU" i="1">
+                        <a:latin typeface="Cambria Math" panose="02040503050406030204" pitchFamily="18" charset="0"/>
+                      </a:rPr>
+                      <m:t>=</m:t>
+                    </m:r>
+                    <m:r>
+                      <a:rPr lang="ru-RU">
+                        <a:latin typeface="Cambria Math" panose="02040503050406030204" pitchFamily="18" charset="0"/>
+                      </a:rPr>
+                      <m:t>3</m:t>
+                    </m:r>
+                  </m:oMath>
+                </a14:m>
+                <a:endParaRPr lang="ru-RU" dirty="0"/>
+              </a:p>
+              <a:p>
+                <a14:m>
+                  <m:oMath xmlns:m="http://schemas.openxmlformats.org/officeDocument/2006/math">
+                    <m:sSub>
+                      <m:sSubPr>
+                        <m:ctrlPr>
+                          <a:rPr lang="ru-RU" i="1">
+                            <a:latin typeface="Cambria Math" panose="02040503050406030204" pitchFamily="18" charset="0"/>
+                          </a:rPr>
+                        </m:ctrlPr>
+                      </m:sSubPr>
+                      <m:e>
+                        <m:r>
+                          <a:rPr lang="en-US" i="1">
+                            <a:latin typeface="Cambria Math" panose="02040503050406030204" pitchFamily="18" charset="0"/>
+                          </a:rPr>
+                          <m:t>𝐷</m:t>
+                        </m:r>
+                      </m:e>
+                      <m:sub>
+                        <m:r>
+                          <a:rPr lang="en-US" i="1">
+                            <a:latin typeface="Cambria Math" panose="02040503050406030204" pitchFamily="18" charset="0"/>
+                          </a:rPr>
+                          <m:t>𝑎𝑣</m:t>
+                        </m:r>
+                      </m:sub>
+                    </m:sSub>
+                    <m:r>
+                      <a:rPr lang="ru-RU" i="1">
+                        <a:latin typeface="Cambria Math" panose="02040503050406030204" pitchFamily="18" charset="0"/>
+                      </a:rPr>
+                      <m:t>=</m:t>
+                    </m:r>
+                    <m:f>
+                      <m:fPr>
+                        <m:ctrlPr>
+                          <a:rPr lang="en-US" i="1">
+                            <a:latin typeface="Cambria Math" panose="02040503050406030204" pitchFamily="18" charset="0"/>
+                          </a:rPr>
+                        </m:ctrlPr>
+                      </m:fPr>
+                      <m:num>
+                        <m:r>
+                          <a:rPr lang="en-US" b="0" i="0" smtClean="0">
+                            <a:latin typeface="Cambria Math" panose="02040503050406030204" pitchFamily="18" charset="0"/>
+                          </a:rPr>
+                          <m:t>47</m:t>
+                        </m:r>
+                      </m:num>
+                      <m:den>
+                        <m:r>
+                          <a:rPr lang="en-US" b="0" i="0" smtClean="0">
+                            <a:latin typeface="Cambria Math" panose="02040503050406030204" pitchFamily="18" charset="0"/>
+                          </a:rPr>
+                          <m:t>34</m:t>
+                        </m:r>
+                      </m:den>
+                    </m:f>
+                    <m:r>
+                      <a:rPr lang="en-US">
+                        <a:latin typeface="Cambria Math" panose="02040503050406030204" pitchFamily="18" charset="0"/>
+                      </a:rPr>
+                      <m:t>=</m:t>
+                    </m:r>
+                    <m:r>
+                      <a:rPr lang="ru-RU">
+                        <a:latin typeface="Cambria Math" panose="02040503050406030204" pitchFamily="18" charset="0"/>
+                      </a:rPr>
+                      <m:t>1,</m:t>
+                    </m:r>
+                    <m:r>
+                      <a:rPr lang="en-US" b="0" i="0" smtClean="0">
+                        <a:latin typeface="Cambria Math" panose="02040503050406030204" pitchFamily="18" charset="0"/>
+                      </a:rPr>
+                      <m:t>38</m:t>
+                    </m:r>
+                  </m:oMath>
+                </a14:m>
+                <a:endParaRPr lang="ru-RU" dirty="0"/>
+              </a:p>
+              <a:p>
+                <a14:m>
+                  <m:oMath xmlns:m="http://schemas.openxmlformats.org/officeDocument/2006/math">
+                    <m:sSub>
+                      <m:sSubPr>
+                        <m:ctrlPr>
+                          <a:rPr lang="ru-RU" i="1">
+                            <a:latin typeface="Cambria Math" panose="02040503050406030204" pitchFamily="18" charset="0"/>
+                          </a:rPr>
+                        </m:ctrlPr>
+                      </m:sSubPr>
+                      <m:e>
+                        <m:r>
+                          <a:rPr lang="en-US" i="1">
+                            <a:latin typeface="Cambria Math" panose="02040503050406030204" pitchFamily="18" charset="0"/>
+                          </a:rPr>
+                          <m:t>𝑊</m:t>
+                        </m:r>
+                      </m:e>
+                      <m:sub>
+                        <m:r>
+                          <a:rPr lang="en-US" i="1">
+                            <a:latin typeface="Cambria Math" panose="02040503050406030204" pitchFamily="18" charset="0"/>
+                          </a:rPr>
+                          <m:t>𝑎𝑏𝑠</m:t>
+                        </m:r>
+                      </m:sub>
+                    </m:sSub>
+                    <m:r>
+                      <a:rPr lang="ru-RU" i="1">
+                        <a:latin typeface="Cambria Math" panose="02040503050406030204" pitchFamily="18" charset="0"/>
+                      </a:rPr>
+                      <m:t>=</m:t>
+                    </m:r>
+                    <m:r>
+                      <a:rPr lang="en-US" b="0" i="1" smtClean="0">
+                        <a:latin typeface="Cambria Math" panose="02040503050406030204" pitchFamily="18" charset="0"/>
+                      </a:rPr>
+                      <m:t>47</m:t>
+                    </m:r>
+                  </m:oMath>
+                </a14:m>
+                <a:endParaRPr lang="ru-RU" i="1" dirty="0">
+                  <a:latin typeface="Cambria Math" panose="02040503050406030204" pitchFamily="18" charset="0"/>
+                </a:endParaRPr>
+              </a:p>
+              <a:p>
+                <a14:m>
+                  <m:oMath xmlns:m="http://schemas.openxmlformats.org/officeDocument/2006/math">
+                    <m:sSub>
+                      <m:sSubPr>
+                        <m:ctrlPr>
+                          <a:rPr lang="ru-RU" i="1">
+                            <a:latin typeface="Cambria Math" panose="02040503050406030204" pitchFamily="18" charset="0"/>
+                          </a:rPr>
+                        </m:ctrlPr>
+                      </m:sSubPr>
+                      <m:e>
+                        <m:r>
+                          <a:rPr lang="en-US" i="1">
+                            <a:latin typeface="Cambria Math" panose="02040503050406030204" pitchFamily="18" charset="0"/>
+                          </a:rPr>
+                          <m:t>𝑊</m:t>
+                        </m:r>
+                      </m:e>
+                      <m:sub>
+                        <m:r>
+                          <a:rPr lang="en-US" i="1">
+                            <a:latin typeface="Cambria Math" panose="02040503050406030204" pitchFamily="18" charset="0"/>
+                          </a:rPr>
+                          <m:t>𝑚𝑎𝑥</m:t>
+                        </m:r>
+                      </m:sub>
+                    </m:sSub>
+                    <m:r>
+                      <a:rPr lang="ru-RU" i="1">
+                        <a:latin typeface="Cambria Math" panose="02040503050406030204" pitchFamily="18" charset="0"/>
+                      </a:rPr>
+                      <m:t>=</m:t>
+                    </m:r>
+                    <m:r>
+                      <a:rPr lang="en-US" b="0" i="1" smtClean="0">
+                        <a:latin typeface="Cambria Math" panose="02040503050406030204" pitchFamily="18" charset="0"/>
+                      </a:rPr>
+                      <m:t>25</m:t>
+                    </m:r>
+                  </m:oMath>
+                </a14:m>
+                <a:endParaRPr lang="ru-RU" i="1" dirty="0">
+                  <a:latin typeface="Cambria Math" panose="02040503050406030204" pitchFamily="18" charset="0"/>
+                </a:endParaRPr>
+              </a:p>
+              <a:p>
+                <a14:m>
+                  <m:oMath xmlns:m="http://schemas.openxmlformats.org/officeDocument/2006/math">
+                    <m:r>
+                      <a:rPr lang="ru-RU" i="1">
+                        <a:latin typeface="Cambria Math" panose="02040503050406030204" pitchFamily="18" charset="0"/>
+                      </a:rPr>
+                      <m:t> </m:t>
+                    </m:r>
+                    <m:sSub>
+                      <m:sSubPr>
+                        <m:ctrlPr>
+                          <a:rPr lang="ru-RU" i="1">
+                            <a:latin typeface="Cambria Math" panose="02040503050406030204" pitchFamily="18" charset="0"/>
+                          </a:rPr>
+                        </m:ctrlPr>
+                      </m:sSubPr>
+                      <m:e>
+                        <m:r>
+                          <a:rPr lang="en-US" i="1">
+                            <a:latin typeface="Cambria Math" panose="02040503050406030204" pitchFamily="18" charset="0"/>
+                          </a:rPr>
+                          <m:t>𝑊</m:t>
+                        </m:r>
+                      </m:e>
+                      <m:sub>
+                        <m:r>
+                          <a:rPr lang="en-US" i="1">
+                            <a:latin typeface="Cambria Math" panose="02040503050406030204" pitchFamily="18" charset="0"/>
+                          </a:rPr>
+                          <m:t>𝑎𝑣</m:t>
+                        </m:r>
+                      </m:sub>
+                    </m:sSub>
+                    <m:r>
+                      <a:rPr lang="ru-RU" i="1">
+                        <a:latin typeface="Cambria Math" panose="02040503050406030204" pitchFamily="18" charset="0"/>
+                      </a:rPr>
+                      <m:t>=</m:t>
+                    </m:r>
+                    <m:f>
+                      <m:fPr>
+                        <m:ctrlPr>
+                          <a:rPr lang="en-US" i="1">
+                            <a:latin typeface="Cambria Math" panose="02040503050406030204" pitchFamily="18" charset="0"/>
+                          </a:rPr>
+                        </m:ctrlPr>
+                      </m:fPr>
+                      <m:num>
+                        <m:r>
+                          <a:rPr lang="en-US" b="0" i="1" smtClean="0">
+                            <a:latin typeface="Cambria Math" panose="02040503050406030204" pitchFamily="18" charset="0"/>
+                          </a:rPr>
+                          <m:t>47</m:t>
+                        </m:r>
+                      </m:num>
+                      <m:den>
+                        <m:r>
+                          <a:rPr lang="en-US" b="0" i="1" smtClean="0">
+                            <a:latin typeface="Cambria Math" panose="02040503050406030204" pitchFamily="18" charset="0"/>
+                          </a:rPr>
+                          <m:t>4</m:t>
+                        </m:r>
+                      </m:den>
+                    </m:f>
+                    <m:r>
+                      <a:rPr lang="en-US" i="1">
+                        <a:latin typeface="Cambria Math" panose="02040503050406030204" pitchFamily="18" charset="0"/>
+                      </a:rPr>
+                      <m:t>=</m:t>
+                    </m:r>
+                    <m:r>
+                      <a:rPr lang="en-US" b="0" i="1" smtClean="0">
+                        <a:latin typeface="Cambria Math" panose="02040503050406030204" pitchFamily="18" charset="0"/>
+                      </a:rPr>
+                      <m:t>11,75</m:t>
+                    </m:r>
+                  </m:oMath>
+                </a14:m>
+                <a:endParaRPr lang="ru-RU" dirty="0"/>
+              </a:p>
+            </p:txBody>
+          </p:sp>
+        </mc:Choice>
+        <mc:Fallback>
+          <p:sp>
+            <p:nvSpPr>
+              <p:cNvPr id="3" name="Объект 2">
+                <a:extLst>
+                  <a:ext uri="{FF2B5EF4-FFF2-40B4-BE49-F238E27FC236}">
+                    <a16:creationId xmlns:a16="http://schemas.microsoft.com/office/drawing/2014/main" id="{8488442B-AC0C-4849-8682-05B9773ED58D}"/>
+                  </a:ext>
+                </a:extLst>
+              </p:cNvPr>
+              <p:cNvSpPr>
+                <a:spLocks noGrp="1" noRot="1" noChangeAspect="1" noMove="1" noResize="1" noEditPoints="1" noAdjustHandles="1" noChangeArrowheads="1" noChangeShapeType="1" noTextEdit="1"/>
+              </p:cNvSpPr>
+              <p:nvPr>
+                <p:ph idx="1"/>
+              </p:nvPr>
+            </p:nvSpPr>
+            <p:spPr>
+              <a:blipFill>
+                <a:blip r:embed="rId2"/>
+                <a:stretch>
+                  <a:fillRect/>
+                </a:stretch>
+              </a:blipFill>
+            </p:spPr>
+            <p:txBody>
+              <a:bodyPr/>
+              <a:lstStyle/>
+              <a:p>
+                <a:r>
+                  <a:rPr lang="ru-RU">
+                    <a:noFill/>
+                  </a:rPr>
+                  <a:t> </a:t>
+                </a:r>
+              </a:p>
+            </p:txBody>
+          </p:sp>
+        </mc:Fallback>
+      </mc:AlternateContent>
     </p:spTree>
     <p:extLst>
       <p:ext uri="{BB962C8B-B14F-4D97-AF65-F5344CB8AC3E}">
         <p14:creationId xmlns:p14="http://schemas.microsoft.com/office/powerpoint/2010/main" val="2126513107"/>
+      </p:ext>
+    </p:extLst>
+  </p:cSld>
+  <p:clrMapOvr>
+    <a:masterClrMapping/>
+  </p:clrMapOvr>
+</p:sld>
+</file>
+
+<file path=ppt/slides/slide7.xml><?xml version="1.0" encoding="utf-8"?>
+<p:sld xmlns:a="http://schemas.openxmlformats.org/drawingml/2006/main" xmlns:r="http://schemas.openxmlformats.org/officeDocument/2006/relationships" xmlns:p="http://schemas.openxmlformats.org/presentationml/2006/main">
+  <p:cSld>
+    <p:spTree>
+      <p:nvGrpSpPr>
+        <p:cNvPr id="1" name=""/>
+        <p:cNvGrpSpPr/>
+        <p:nvPr/>
+      </p:nvGrpSpPr>
+      <p:grpSpPr>
+        <a:xfrm>
+          <a:off x="0" y="0"/>
+          <a:ext cx="0" cy="0"/>
+          <a:chOff x="0" y="0"/>
+          <a:chExt cx="0" cy="0"/>
+        </a:xfrm>
+      </p:grpSpPr>
+      <p:sp>
+        <p:nvSpPr>
+          <p:cNvPr id="2" name="Заголовок 1">
+            <a:extLst>
+              <a:ext uri="{FF2B5EF4-FFF2-40B4-BE49-F238E27FC236}">
+                <a16:creationId xmlns:a16="http://schemas.microsoft.com/office/drawing/2014/main" id="{71460F1B-4288-4B4B-82E3-8789ED741DC2}"/>
+              </a:ext>
+            </a:extLst>
+          </p:cNvPr>
+          <p:cNvSpPr>
+            <a:spLocks noGrp="1"/>
+          </p:cNvSpPr>
+          <p:nvPr>
+            <p:ph type="title"/>
+          </p:nvPr>
+        </p:nvSpPr>
+        <p:spPr/>
+        <p:txBody>
+          <a:bodyPr/>
+          <a:lstStyle/>
+          <a:p>
+            <a:r>
+              <a:rPr lang="ru-RU" dirty="0"/>
+              <a:t>Онтология 3</a:t>
+            </a:r>
+          </a:p>
+        </p:txBody>
+      </p:sp>
+      <p:pic>
+        <p:nvPicPr>
+          <p:cNvPr id="5" name="Объект 4">
+            <a:extLst>
+              <a:ext uri="{FF2B5EF4-FFF2-40B4-BE49-F238E27FC236}">
+                <a16:creationId xmlns:a16="http://schemas.microsoft.com/office/drawing/2014/main" id="{3BCD518D-CCF7-43BF-8D0E-AF79B910503E}"/>
+              </a:ext>
+            </a:extLst>
+          </p:cNvPr>
+          <p:cNvPicPr>
+            <a:picLocks noGrp="1" noChangeAspect="1"/>
+          </p:cNvPicPr>
+          <p:nvPr>
+            <p:ph idx="1"/>
+          </p:nvPr>
+        </p:nvPicPr>
+        <p:blipFill>
+          <a:blip r:embed="rId2">
+            <a:extLst>
+              <a:ext uri="{28A0092B-C50C-407E-A947-70E740481C1C}">
+                <a14:useLocalDpi xmlns:a14="http://schemas.microsoft.com/office/drawing/2010/main" val="0"/>
+              </a:ext>
+            </a:extLst>
+          </a:blip>
+          <a:stretch>
+            <a:fillRect/>
+          </a:stretch>
+        </p:blipFill>
+        <p:spPr>
+          <a:xfrm>
+            <a:off x="3434587" y="1825625"/>
+            <a:ext cx="5322826" cy="4351338"/>
+          </a:xfrm>
+        </p:spPr>
+      </p:pic>
+    </p:spTree>
+    <p:extLst>
+      <p:ext uri="{BB962C8B-B14F-4D97-AF65-F5344CB8AC3E}">
+        <p14:creationId xmlns:p14="http://schemas.microsoft.com/office/powerpoint/2010/main" val="2290324743"/>
+      </p:ext>
+    </p:extLst>
+  </p:cSld>
+  <p:clrMapOvr>
+    <a:masterClrMapping/>
+  </p:clrMapOvr>
+</p:sld>
+</file>
+
+<file path=ppt/slides/slide8.xml><?xml version="1.0" encoding="utf-8"?>
+<p:sld xmlns:a="http://schemas.openxmlformats.org/drawingml/2006/main" xmlns:r="http://schemas.openxmlformats.org/officeDocument/2006/relationships" xmlns:p="http://schemas.openxmlformats.org/presentationml/2006/main">
+  <p:cSld>
+    <p:spTree>
+      <p:nvGrpSpPr>
+        <p:cNvPr id="1" name=""/>
+        <p:cNvGrpSpPr/>
+        <p:nvPr/>
+      </p:nvGrpSpPr>
+      <p:grpSpPr>
+        <a:xfrm>
+          <a:off x="0" y="0"/>
+          <a:ext cx="0" cy="0"/>
+          <a:chOff x="0" y="0"/>
+          <a:chExt cx="0" cy="0"/>
+        </a:xfrm>
+      </p:grpSpPr>
+      <p:sp>
+        <p:nvSpPr>
+          <p:cNvPr id="2" name="Заголовок 1">
+            <a:extLst>
+              <a:ext uri="{FF2B5EF4-FFF2-40B4-BE49-F238E27FC236}">
+                <a16:creationId xmlns:a16="http://schemas.microsoft.com/office/drawing/2014/main" id="{46FEE900-6672-4F6D-8FCE-7B5F66C0AD50}"/>
+              </a:ext>
+            </a:extLst>
+          </p:cNvPr>
+          <p:cNvSpPr>
+            <a:spLocks noGrp="1"/>
+          </p:cNvSpPr>
+          <p:nvPr>
+            <p:ph type="title"/>
+          </p:nvPr>
+        </p:nvSpPr>
+        <p:spPr/>
+        <p:txBody>
+          <a:bodyPr/>
+          <a:lstStyle/>
+          <a:p>
+            <a:r>
+              <a:rPr lang="ru-RU" dirty="0"/>
+              <a:t>Характеристики онтологии 3</a:t>
+            </a:r>
+          </a:p>
+        </p:txBody>
+      </p:sp>
+      <mc:AlternateContent xmlns:mc="http://schemas.openxmlformats.org/markup-compatibility/2006">
+        <mc:Choice xmlns:a14="http://schemas.microsoft.com/office/drawing/2010/main" Requires="a14">
+          <p:sp>
+            <p:nvSpPr>
+              <p:cNvPr id="3" name="Объект 2">
+                <a:extLst>
+                  <a:ext uri="{FF2B5EF4-FFF2-40B4-BE49-F238E27FC236}">
+                    <a16:creationId xmlns:a16="http://schemas.microsoft.com/office/drawing/2014/main" id="{851160B8-B80C-41ED-ACCD-8CA6AC75CAE5}"/>
+                  </a:ext>
+                </a:extLst>
+              </p:cNvPr>
+              <p:cNvSpPr>
+                <a:spLocks noGrp="1"/>
+              </p:cNvSpPr>
+              <p:nvPr>
+                <p:ph idx="1"/>
+              </p:nvPr>
+            </p:nvSpPr>
+            <p:spPr/>
+            <p:txBody>
+              <a:bodyPr/>
+              <a:lstStyle/>
+              <a:p>
+                <a14:m>
+                  <m:oMath xmlns:m="http://schemas.openxmlformats.org/officeDocument/2006/math">
+                    <m:sSub>
+                      <m:sSubPr>
+                        <m:ctrlPr>
+                          <a:rPr lang="ru-RU" i="1" smtClean="0">
+                            <a:latin typeface="Cambria Math" panose="02040503050406030204" pitchFamily="18" charset="0"/>
+                          </a:rPr>
+                        </m:ctrlPr>
+                      </m:sSubPr>
+                      <m:e>
+                        <m:r>
+                          <a:rPr lang="en-US" i="1">
+                            <a:latin typeface="Cambria Math" panose="02040503050406030204" pitchFamily="18" charset="0"/>
+                          </a:rPr>
+                          <m:t>𝐷</m:t>
+                        </m:r>
+                      </m:e>
+                      <m:sub>
+                        <m:r>
+                          <a:rPr lang="en-US" i="1">
+                            <a:latin typeface="Cambria Math" panose="02040503050406030204" pitchFamily="18" charset="0"/>
+                          </a:rPr>
+                          <m:t>𝑎𝑏𝑠</m:t>
+                        </m:r>
+                      </m:sub>
+                    </m:sSub>
+                    <m:r>
+                      <a:rPr lang="ru-RU" i="1">
+                        <a:latin typeface="Cambria Math" panose="02040503050406030204" pitchFamily="18" charset="0"/>
+                      </a:rPr>
+                      <m:t>=</m:t>
+                    </m:r>
+                    <m:r>
+                      <a:rPr lang="en-US" b="0" i="1" smtClean="0">
+                        <a:latin typeface="Cambria Math" panose="02040503050406030204" pitchFamily="18" charset="0"/>
+                      </a:rPr>
+                      <m:t>31</m:t>
+                    </m:r>
+                  </m:oMath>
+                </a14:m>
+                <a:endParaRPr lang="en-US" i="1" dirty="0">
+                  <a:latin typeface="Cambria Math" panose="02040503050406030204" pitchFamily="18" charset="0"/>
+                </a:endParaRPr>
+              </a:p>
+              <a:p>
+                <a14:m>
+                  <m:oMath xmlns:m="http://schemas.openxmlformats.org/officeDocument/2006/math">
+                    <m:sSub>
+                      <m:sSubPr>
+                        <m:ctrlPr>
+                          <a:rPr lang="ru-RU" i="1">
+                            <a:latin typeface="Cambria Math" panose="02040503050406030204" pitchFamily="18" charset="0"/>
+                          </a:rPr>
+                        </m:ctrlPr>
+                      </m:sSubPr>
+                      <m:e>
+                        <m:r>
+                          <a:rPr lang="en-US" i="1">
+                            <a:latin typeface="Cambria Math" panose="02040503050406030204" pitchFamily="18" charset="0"/>
+                          </a:rPr>
+                          <m:t>𝐷</m:t>
+                        </m:r>
+                      </m:e>
+                      <m:sub>
+                        <m:r>
+                          <a:rPr lang="en-US" i="1">
+                            <a:latin typeface="Cambria Math" panose="02040503050406030204" pitchFamily="18" charset="0"/>
+                          </a:rPr>
+                          <m:t>𝑚𝑎𝑥</m:t>
+                        </m:r>
+                      </m:sub>
+                    </m:sSub>
+                    <m:r>
+                      <a:rPr lang="ru-RU" i="1">
+                        <a:latin typeface="Cambria Math" panose="02040503050406030204" pitchFamily="18" charset="0"/>
+                      </a:rPr>
+                      <m:t>=</m:t>
+                    </m:r>
+                    <m:r>
+                      <a:rPr lang="en-US" b="0" i="0" smtClean="0">
+                        <a:latin typeface="Cambria Math" panose="02040503050406030204" pitchFamily="18" charset="0"/>
+                      </a:rPr>
+                      <m:t>2</m:t>
+                    </m:r>
+                  </m:oMath>
+                </a14:m>
+                <a:endParaRPr lang="ru-RU" dirty="0"/>
+              </a:p>
+              <a:p>
+                <a14:m>
+                  <m:oMath xmlns:m="http://schemas.openxmlformats.org/officeDocument/2006/math">
+                    <m:sSub>
+                      <m:sSubPr>
+                        <m:ctrlPr>
+                          <a:rPr lang="ru-RU" i="1">
+                            <a:latin typeface="Cambria Math" panose="02040503050406030204" pitchFamily="18" charset="0"/>
+                          </a:rPr>
+                        </m:ctrlPr>
+                      </m:sSubPr>
+                      <m:e>
+                        <m:r>
+                          <a:rPr lang="en-US" i="1">
+                            <a:latin typeface="Cambria Math" panose="02040503050406030204" pitchFamily="18" charset="0"/>
+                          </a:rPr>
+                          <m:t>𝐷</m:t>
+                        </m:r>
+                      </m:e>
+                      <m:sub>
+                        <m:r>
+                          <a:rPr lang="en-US" i="1">
+                            <a:latin typeface="Cambria Math" panose="02040503050406030204" pitchFamily="18" charset="0"/>
+                          </a:rPr>
+                          <m:t>𝑎𝑣</m:t>
+                        </m:r>
+                      </m:sub>
+                    </m:sSub>
+                    <m:r>
+                      <a:rPr lang="ru-RU" i="1">
+                        <a:latin typeface="Cambria Math" panose="02040503050406030204" pitchFamily="18" charset="0"/>
+                      </a:rPr>
+                      <m:t>=</m:t>
+                    </m:r>
+                    <m:f>
+                      <m:fPr>
+                        <m:ctrlPr>
+                          <a:rPr lang="en-US" i="1">
+                            <a:latin typeface="Cambria Math" panose="02040503050406030204" pitchFamily="18" charset="0"/>
+                          </a:rPr>
+                        </m:ctrlPr>
+                      </m:fPr>
+                      <m:num>
+                        <m:r>
+                          <a:rPr lang="en-US" b="0" i="0" smtClean="0">
+                            <a:latin typeface="Cambria Math" panose="02040503050406030204" pitchFamily="18" charset="0"/>
+                          </a:rPr>
+                          <m:t>31</m:t>
+                        </m:r>
+                      </m:num>
+                      <m:den>
+                        <m:r>
+                          <a:rPr lang="en-US" b="0" i="0" smtClean="0">
+                            <a:latin typeface="Cambria Math" panose="02040503050406030204" pitchFamily="18" charset="0"/>
+                          </a:rPr>
+                          <m:t>2</m:t>
+                        </m:r>
+                        <m:r>
+                          <a:rPr lang="en-US">
+                            <a:latin typeface="Cambria Math" panose="02040503050406030204" pitchFamily="18" charset="0"/>
+                          </a:rPr>
+                          <m:t>4</m:t>
+                        </m:r>
+                      </m:den>
+                    </m:f>
+                    <m:r>
+                      <a:rPr lang="en-US">
+                        <a:latin typeface="Cambria Math" panose="02040503050406030204" pitchFamily="18" charset="0"/>
+                      </a:rPr>
+                      <m:t>=</m:t>
+                    </m:r>
+                    <m:r>
+                      <a:rPr lang="ru-RU">
+                        <a:latin typeface="Cambria Math" panose="02040503050406030204" pitchFamily="18" charset="0"/>
+                      </a:rPr>
+                      <m:t>1,</m:t>
+                    </m:r>
+                    <m:r>
+                      <a:rPr lang="en-US" b="0" i="0" smtClean="0">
+                        <a:latin typeface="Cambria Math" panose="02040503050406030204" pitchFamily="18" charset="0"/>
+                      </a:rPr>
+                      <m:t>29</m:t>
+                    </m:r>
+                  </m:oMath>
+                </a14:m>
+                <a:endParaRPr lang="ru-RU" dirty="0"/>
+              </a:p>
+              <a:p>
+                <a14:m>
+                  <m:oMath xmlns:m="http://schemas.openxmlformats.org/officeDocument/2006/math">
+                    <m:sSub>
+                      <m:sSubPr>
+                        <m:ctrlPr>
+                          <a:rPr lang="ru-RU" i="1">
+                            <a:latin typeface="Cambria Math" panose="02040503050406030204" pitchFamily="18" charset="0"/>
+                          </a:rPr>
+                        </m:ctrlPr>
+                      </m:sSubPr>
+                      <m:e>
+                        <m:r>
+                          <a:rPr lang="en-US" i="1">
+                            <a:latin typeface="Cambria Math" panose="02040503050406030204" pitchFamily="18" charset="0"/>
+                          </a:rPr>
+                          <m:t>𝑊</m:t>
+                        </m:r>
+                      </m:e>
+                      <m:sub>
+                        <m:r>
+                          <a:rPr lang="en-US" i="1">
+                            <a:latin typeface="Cambria Math" panose="02040503050406030204" pitchFamily="18" charset="0"/>
+                          </a:rPr>
+                          <m:t>𝑎𝑏𝑠</m:t>
+                        </m:r>
+                      </m:sub>
+                    </m:sSub>
+                    <m:r>
+                      <a:rPr lang="ru-RU" i="1">
+                        <a:latin typeface="Cambria Math" panose="02040503050406030204" pitchFamily="18" charset="0"/>
+                      </a:rPr>
+                      <m:t>=</m:t>
+                    </m:r>
+                    <m:r>
+                      <a:rPr lang="en-US" b="0" i="1" smtClean="0">
+                        <a:latin typeface="Cambria Math" panose="02040503050406030204" pitchFamily="18" charset="0"/>
+                      </a:rPr>
+                      <m:t>32</m:t>
+                    </m:r>
+                  </m:oMath>
+                </a14:m>
+                <a:endParaRPr lang="ru-RU" i="1" dirty="0">
+                  <a:latin typeface="Cambria Math" panose="02040503050406030204" pitchFamily="18" charset="0"/>
+                </a:endParaRPr>
+              </a:p>
+              <a:p>
+                <a14:m>
+                  <m:oMath xmlns:m="http://schemas.openxmlformats.org/officeDocument/2006/math">
+                    <m:sSub>
+                      <m:sSubPr>
+                        <m:ctrlPr>
+                          <a:rPr lang="ru-RU" i="1">
+                            <a:latin typeface="Cambria Math" panose="02040503050406030204" pitchFamily="18" charset="0"/>
+                          </a:rPr>
+                        </m:ctrlPr>
+                      </m:sSubPr>
+                      <m:e>
+                        <m:r>
+                          <a:rPr lang="en-US" i="1">
+                            <a:latin typeface="Cambria Math" panose="02040503050406030204" pitchFamily="18" charset="0"/>
+                          </a:rPr>
+                          <m:t>𝑊</m:t>
+                        </m:r>
+                      </m:e>
+                      <m:sub>
+                        <m:r>
+                          <a:rPr lang="en-US" i="1">
+                            <a:latin typeface="Cambria Math" panose="02040503050406030204" pitchFamily="18" charset="0"/>
+                          </a:rPr>
+                          <m:t>𝑚𝑎𝑥</m:t>
+                        </m:r>
+                      </m:sub>
+                    </m:sSub>
+                    <m:r>
+                      <a:rPr lang="ru-RU" i="1">
+                        <a:latin typeface="Cambria Math" panose="02040503050406030204" pitchFamily="18" charset="0"/>
+                      </a:rPr>
+                      <m:t>=</m:t>
+                    </m:r>
+                    <m:r>
+                      <a:rPr lang="en-US" i="1">
+                        <a:latin typeface="Cambria Math" panose="02040503050406030204" pitchFamily="18" charset="0"/>
+                      </a:rPr>
+                      <m:t>2</m:t>
+                    </m:r>
+                    <m:r>
+                      <a:rPr lang="en-US" b="0" i="1" smtClean="0">
+                        <a:latin typeface="Cambria Math" panose="02040503050406030204" pitchFamily="18" charset="0"/>
+                      </a:rPr>
+                      <m:t>4</m:t>
+                    </m:r>
+                  </m:oMath>
+                </a14:m>
+                <a:endParaRPr lang="ru-RU" i="1" dirty="0">
+                  <a:latin typeface="Cambria Math" panose="02040503050406030204" pitchFamily="18" charset="0"/>
+                </a:endParaRPr>
+              </a:p>
+              <a:p>
+                <a14:m>
+                  <m:oMath xmlns:m="http://schemas.openxmlformats.org/officeDocument/2006/math">
+                    <m:r>
+                      <a:rPr lang="ru-RU" i="1">
+                        <a:latin typeface="Cambria Math" panose="02040503050406030204" pitchFamily="18" charset="0"/>
+                      </a:rPr>
+                      <m:t> </m:t>
+                    </m:r>
+                    <m:sSub>
+                      <m:sSubPr>
+                        <m:ctrlPr>
+                          <a:rPr lang="ru-RU" i="1">
+                            <a:latin typeface="Cambria Math" panose="02040503050406030204" pitchFamily="18" charset="0"/>
+                          </a:rPr>
+                        </m:ctrlPr>
+                      </m:sSubPr>
+                      <m:e>
+                        <m:r>
+                          <a:rPr lang="en-US" i="1">
+                            <a:latin typeface="Cambria Math" panose="02040503050406030204" pitchFamily="18" charset="0"/>
+                          </a:rPr>
+                          <m:t>𝑊</m:t>
+                        </m:r>
+                      </m:e>
+                      <m:sub>
+                        <m:r>
+                          <a:rPr lang="en-US" i="1">
+                            <a:latin typeface="Cambria Math" panose="02040503050406030204" pitchFamily="18" charset="0"/>
+                          </a:rPr>
+                          <m:t>𝑎𝑣</m:t>
+                        </m:r>
+                      </m:sub>
+                    </m:sSub>
+                    <m:r>
+                      <a:rPr lang="ru-RU" i="1">
+                        <a:latin typeface="Cambria Math" panose="02040503050406030204" pitchFamily="18" charset="0"/>
+                      </a:rPr>
+                      <m:t>=</m:t>
+                    </m:r>
+                    <m:f>
+                      <m:fPr>
+                        <m:ctrlPr>
+                          <a:rPr lang="en-US" i="1">
+                            <a:latin typeface="Cambria Math" panose="02040503050406030204" pitchFamily="18" charset="0"/>
+                          </a:rPr>
+                        </m:ctrlPr>
+                      </m:fPr>
+                      <m:num>
+                        <m:r>
+                          <a:rPr lang="en-US" b="0" i="1" smtClean="0">
+                            <a:latin typeface="Cambria Math" panose="02040503050406030204" pitchFamily="18" charset="0"/>
+                          </a:rPr>
+                          <m:t>32</m:t>
+                        </m:r>
+                      </m:num>
+                      <m:den>
+                        <m:r>
+                          <a:rPr lang="en-US" b="0" i="1" smtClean="0">
+                            <a:latin typeface="Cambria Math" panose="02040503050406030204" pitchFamily="18" charset="0"/>
+                          </a:rPr>
+                          <m:t>3</m:t>
+                        </m:r>
+                      </m:den>
+                    </m:f>
+                    <m:r>
+                      <a:rPr lang="en-US" i="1">
+                        <a:latin typeface="Cambria Math" panose="02040503050406030204" pitchFamily="18" charset="0"/>
+                      </a:rPr>
+                      <m:t>=</m:t>
+                    </m:r>
+                    <m:r>
+                      <a:rPr lang="en-US" i="1">
+                        <a:latin typeface="Cambria Math" panose="02040503050406030204" pitchFamily="18" charset="0"/>
+                      </a:rPr>
+                      <m:t>1</m:t>
+                    </m:r>
+                    <m:r>
+                      <a:rPr lang="en-US" b="0" i="1" smtClean="0">
+                        <a:latin typeface="Cambria Math" panose="02040503050406030204" pitchFamily="18" charset="0"/>
+                      </a:rPr>
+                      <m:t>0</m:t>
+                    </m:r>
+                    <m:r>
+                      <a:rPr lang="en-US" i="1">
+                        <a:latin typeface="Cambria Math" panose="02040503050406030204" pitchFamily="18" charset="0"/>
+                      </a:rPr>
+                      <m:t>,</m:t>
+                    </m:r>
+                    <m:r>
+                      <a:rPr lang="en-US" b="0" i="1" smtClean="0">
+                        <a:latin typeface="Cambria Math" panose="02040503050406030204" pitchFamily="18" charset="0"/>
+                      </a:rPr>
+                      <m:t>33</m:t>
+                    </m:r>
+                  </m:oMath>
+                </a14:m>
+                <a:endParaRPr lang="ru-RU" dirty="0"/>
+              </a:p>
+            </p:txBody>
+          </p:sp>
+        </mc:Choice>
+        <mc:Fallback>
+          <p:sp>
+            <p:nvSpPr>
+              <p:cNvPr id="3" name="Объект 2">
+                <a:extLst>
+                  <a:ext uri="{FF2B5EF4-FFF2-40B4-BE49-F238E27FC236}">
+                    <a16:creationId xmlns:a16="http://schemas.microsoft.com/office/drawing/2014/main" id="{851160B8-B80C-41ED-ACCD-8CA6AC75CAE5}"/>
+                  </a:ext>
+                </a:extLst>
+              </p:cNvPr>
+              <p:cNvSpPr>
+                <a:spLocks noGrp="1" noRot="1" noChangeAspect="1" noMove="1" noResize="1" noEditPoints="1" noAdjustHandles="1" noChangeArrowheads="1" noChangeShapeType="1" noTextEdit="1"/>
+              </p:cNvSpPr>
+              <p:nvPr>
+                <p:ph idx="1"/>
+              </p:nvPr>
+            </p:nvSpPr>
+            <p:spPr>
+              <a:blipFill>
+                <a:blip r:embed="rId2"/>
+                <a:stretch>
+                  <a:fillRect/>
+                </a:stretch>
+              </a:blipFill>
+            </p:spPr>
+            <p:txBody>
+              <a:bodyPr/>
+              <a:lstStyle/>
+              <a:p>
+                <a:r>
+                  <a:rPr lang="ru-RU">
+                    <a:noFill/>
+                  </a:rPr>
+                  <a:t> </a:t>
+                </a:r>
+              </a:p>
+            </p:txBody>
+          </p:sp>
+        </mc:Fallback>
+      </mc:AlternateContent>
+    </p:spTree>
+    <p:extLst>
+      <p:ext uri="{BB962C8B-B14F-4D97-AF65-F5344CB8AC3E}">
+        <p14:creationId xmlns:p14="http://schemas.microsoft.com/office/powerpoint/2010/main" val="3693416265"/>
       </p:ext>
     </p:extLst>
   </p:cSld>
